--- a/Notes/Nosa project experimental plot images.pptx
+++ b/Notes/Nosa project experimental plot images.pptx
@@ -7,6 +7,7 @@
   <p:sldIdLst>
     <p:sldId id="256" r:id="rId2"/>
     <p:sldId id="257" r:id="rId3"/>
+    <p:sldId id="258" r:id="rId4"/>
   </p:sldIdLst>
   <p:sldSz cx="12192000" cy="6858000"/>
   <p:notesSz cx="6858000" cy="9144000"/>
@@ -105,6 +106,11 @@
       </a:defRPr>
     </a:lvl9pPr>
   </p:defaultTextStyle>
+  <p:extLst>
+    <p:ext uri="{EFAFB233-063F-42B5-8137-9DF3F51BA10A}">
+      <p15:sldGuideLst xmlns:p15="http://schemas.microsoft.com/office/powerpoint/2012/main"/>
+    </p:ext>
+  </p:extLst>
 </p:presentation>
 </file>
 
@@ -239,7 +245,7 @@
           <a:p>
             <a:fld id="{E1606E44-A11B-4629-8133-C768A96D3073}" type="datetimeFigureOut">
               <a:rPr lang="en-US" smtClean="0"/>
-              <a:t>2/25/2025</a:t>
+              <a:t>3/18/2025</a:t>
             </a:fld>
             <a:endParaRPr lang="en-US"/>
           </a:p>
@@ -409,7 +415,7 @@
           <a:p>
             <a:fld id="{E1606E44-A11B-4629-8133-C768A96D3073}" type="datetimeFigureOut">
               <a:rPr lang="en-US" smtClean="0"/>
-              <a:t>2/25/2025</a:t>
+              <a:t>3/18/2025</a:t>
             </a:fld>
             <a:endParaRPr lang="en-US"/>
           </a:p>
@@ -589,7 +595,7 @@
           <a:p>
             <a:fld id="{E1606E44-A11B-4629-8133-C768A96D3073}" type="datetimeFigureOut">
               <a:rPr lang="en-US" smtClean="0"/>
-              <a:t>2/25/2025</a:t>
+              <a:t>3/18/2025</a:t>
             </a:fld>
             <a:endParaRPr lang="en-US"/>
           </a:p>
@@ -759,7 +765,7 @@
           <a:p>
             <a:fld id="{E1606E44-A11B-4629-8133-C768A96D3073}" type="datetimeFigureOut">
               <a:rPr lang="en-US" smtClean="0"/>
-              <a:t>2/25/2025</a:t>
+              <a:t>3/18/2025</a:t>
             </a:fld>
             <a:endParaRPr lang="en-US"/>
           </a:p>
@@ -1005,7 +1011,7 @@
           <a:p>
             <a:fld id="{E1606E44-A11B-4629-8133-C768A96D3073}" type="datetimeFigureOut">
               <a:rPr lang="en-US" smtClean="0"/>
-              <a:t>2/25/2025</a:t>
+              <a:t>3/18/2025</a:t>
             </a:fld>
             <a:endParaRPr lang="en-US"/>
           </a:p>
@@ -1237,7 +1243,7 @@
           <a:p>
             <a:fld id="{E1606E44-A11B-4629-8133-C768A96D3073}" type="datetimeFigureOut">
               <a:rPr lang="en-US" smtClean="0"/>
-              <a:t>2/25/2025</a:t>
+              <a:t>3/18/2025</a:t>
             </a:fld>
             <a:endParaRPr lang="en-US"/>
           </a:p>
@@ -1604,7 +1610,7 @@
           <a:p>
             <a:fld id="{E1606E44-A11B-4629-8133-C768A96D3073}" type="datetimeFigureOut">
               <a:rPr lang="en-US" smtClean="0"/>
-              <a:t>2/25/2025</a:t>
+              <a:t>3/18/2025</a:t>
             </a:fld>
             <a:endParaRPr lang="en-US"/>
           </a:p>
@@ -1722,7 +1728,7 @@
           <a:p>
             <a:fld id="{E1606E44-A11B-4629-8133-C768A96D3073}" type="datetimeFigureOut">
               <a:rPr lang="en-US" smtClean="0"/>
-              <a:t>2/25/2025</a:t>
+              <a:t>3/18/2025</a:t>
             </a:fld>
             <a:endParaRPr lang="en-US"/>
           </a:p>
@@ -1817,7 +1823,7 @@
           <a:p>
             <a:fld id="{E1606E44-A11B-4629-8133-C768A96D3073}" type="datetimeFigureOut">
               <a:rPr lang="en-US" smtClean="0"/>
-              <a:t>2/25/2025</a:t>
+              <a:t>3/18/2025</a:t>
             </a:fld>
             <a:endParaRPr lang="en-US"/>
           </a:p>
@@ -2094,7 +2100,7 @@
           <a:p>
             <a:fld id="{E1606E44-A11B-4629-8133-C768A96D3073}" type="datetimeFigureOut">
               <a:rPr lang="en-US" smtClean="0"/>
-              <a:t>2/25/2025</a:t>
+              <a:t>3/18/2025</a:t>
             </a:fld>
             <a:endParaRPr lang="en-US"/>
           </a:p>
@@ -2347,7 +2353,7 @@
           <a:p>
             <a:fld id="{E1606E44-A11B-4629-8133-C768A96D3073}" type="datetimeFigureOut">
               <a:rPr lang="en-US" smtClean="0"/>
-              <a:t>2/25/2025</a:t>
+              <a:t>3/18/2025</a:t>
             </a:fld>
             <a:endParaRPr lang="en-US"/>
           </a:p>
@@ -2560,7 +2566,7 @@
           <a:p>
             <a:fld id="{E1606E44-A11B-4629-8133-C768A96D3073}" type="datetimeFigureOut">
               <a:rPr lang="en-US" smtClean="0"/>
-              <a:t>2/25/2025</a:t>
+              <a:t>3/18/2025</a:t>
             </a:fld>
             <a:endParaRPr lang="en-US"/>
           </a:p>
@@ -3051,10 +3057,10 @@
         </p:nvGrpSpPr>
         <p:grpSpPr>
           <a:xfrm>
-            <a:off x="2098819" y="116377"/>
-            <a:ext cx="8849043" cy="6450677"/>
+            <a:off x="2032317" y="407323"/>
+            <a:ext cx="8516534" cy="6450677"/>
             <a:chOff x="2098819" y="116377"/>
-            <a:chExt cx="8849043" cy="6450677"/>
+            <a:chExt cx="8516534" cy="6450677"/>
           </a:xfrm>
         </p:grpSpPr>
         <p:pic>
@@ -3363,7 +3369,7 @@
           </p:nvSpPr>
           <p:spPr>
             <a:xfrm>
-              <a:off x="3990109" y="1820487"/>
+              <a:off x="4056605" y="1820487"/>
               <a:ext cx="465513" cy="2354491"/>
             </a:xfrm>
             <a:prstGeom prst="rect">
@@ -3438,7 +3444,7 @@
           </p:nvSpPr>
           <p:spPr>
             <a:xfrm>
-              <a:off x="4754886" y="1820486"/>
+              <a:off x="4821382" y="1820486"/>
               <a:ext cx="465513" cy="2354491"/>
             </a:xfrm>
             <a:prstGeom prst="rect">
@@ -3513,7 +3519,7 @@
           </p:nvSpPr>
           <p:spPr>
             <a:xfrm>
-              <a:off x="5539054" y="1820485"/>
+              <a:off x="5605550" y="1820485"/>
               <a:ext cx="465513" cy="2354491"/>
             </a:xfrm>
             <a:prstGeom prst="rect">
@@ -3588,7 +3594,7 @@
           </p:nvSpPr>
           <p:spPr>
             <a:xfrm>
-              <a:off x="6295508" y="1820487"/>
+              <a:off x="6362004" y="1820487"/>
               <a:ext cx="465513" cy="2354491"/>
             </a:xfrm>
             <a:prstGeom prst="rect">
@@ -3663,7 +3669,7 @@
           </p:nvSpPr>
           <p:spPr>
             <a:xfrm>
-              <a:off x="7060285" y="1820486"/>
+              <a:off x="7126781" y="1820486"/>
               <a:ext cx="465513" cy="2354491"/>
             </a:xfrm>
             <a:prstGeom prst="rect">
@@ -3738,7 +3744,7 @@
           </p:nvSpPr>
           <p:spPr>
             <a:xfrm>
-              <a:off x="7844453" y="1820485"/>
+              <a:off x="7910949" y="1820485"/>
               <a:ext cx="465513" cy="2354491"/>
             </a:xfrm>
             <a:prstGeom prst="rect">
@@ -3927,8 +3933,8 @@
           </p:nvSpPr>
           <p:spPr>
             <a:xfrm>
-              <a:off x="8977709" y="5880983"/>
-              <a:ext cx="1970153" cy="523220"/>
+              <a:off x="8894598" y="5873183"/>
+              <a:ext cx="1720755" cy="523220"/>
             </a:xfrm>
             <a:prstGeom prst="rect">
               <a:avLst/>
@@ -3943,7 +3949,7 @@
             <a:p>
               <a:r>
                 <a:rPr lang="en-US" sz="1400" dirty="0" smtClean="0"/>
-                <a:t>Numbers represent the Transect (1m by 1m)</a:t>
+                <a:t>Numbers (1-6) are 1m by 1m quadrants</a:t>
               </a:r>
               <a:endParaRPr lang="en-US" sz="1400" dirty="0"/>
             </a:p>
@@ -3954,6 +3960,1930 @@
     <p:extLst>
       <p:ext uri="{BB962C8B-B14F-4D97-AF65-F5344CB8AC3E}">
         <p14:creationId xmlns:p14="http://schemas.microsoft.com/office/powerpoint/2010/main" val="1382484701"/>
+      </p:ext>
+    </p:extLst>
+  </p:cSld>
+  <p:clrMapOvr>
+    <a:masterClrMapping/>
+  </p:clrMapOvr>
+</p:sld>
+</file>
+
+<file path=ppt/slides/slide3.xml><?xml version="1.0" encoding="utf-8"?>
+<p:sld xmlns:a="http://schemas.openxmlformats.org/drawingml/2006/main" xmlns:r="http://schemas.openxmlformats.org/officeDocument/2006/relationships" xmlns:p="http://schemas.openxmlformats.org/presentationml/2006/main">
+  <p:cSld>
+    <p:spTree>
+      <p:nvGrpSpPr>
+        <p:cNvPr id="1" name=""/>
+        <p:cNvGrpSpPr/>
+        <p:nvPr/>
+      </p:nvGrpSpPr>
+      <p:grpSpPr>
+        <a:xfrm>
+          <a:off x="0" y="0"/>
+          <a:ext cx="0" cy="0"/>
+          <a:chOff x="0" y="0"/>
+          <a:chExt cx="0" cy="0"/>
+        </a:xfrm>
+      </p:grpSpPr>
+      <p:pic>
+        <p:nvPicPr>
+          <p:cNvPr id="4" name="Picture 3"/>
+          <p:cNvPicPr>
+            <a:picLocks noChangeAspect="1"/>
+          </p:cNvPicPr>
+          <p:nvPr/>
+        </p:nvPicPr>
+        <p:blipFill>
+          <a:blip r:embed="rId2"/>
+          <a:stretch>
+            <a:fillRect/>
+          </a:stretch>
+        </p:blipFill>
+        <p:spPr>
+          <a:xfrm>
+            <a:off x="1973222" y="411218"/>
+            <a:ext cx="8245555" cy="6035563"/>
+          </a:xfrm>
+          <a:prstGeom prst="rect">
+            <a:avLst/>
+          </a:prstGeom>
+        </p:spPr>
+      </p:pic>
+      <p:sp>
+        <p:nvSpPr>
+          <p:cNvPr id="5" name="Rectangle 4"/>
+          <p:cNvSpPr/>
+          <p:nvPr/>
+        </p:nvSpPr>
+        <p:spPr>
+          <a:xfrm>
+            <a:off x="3042459" y="1629296"/>
+            <a:ext cx="5428210" cy="3217024"/>
+          </a:xfrm>
+          <a:prstGeom prst="rect">
+            <a:avLst/>
+          </a:prstGeom>
+          <a:solidFill>
+            <a:schemeClr val="bg1"/>
+          </a:solidFill>
+          <a:ln>
+            <a:noFill/>
+          </a:ln>
+        </p:spPr>
+        <p:style>
+          <a:lnRef idx="2">
+            <a:schemeClr val="accent1">
+              <a:shade val="50000"/>
+            </a:schemeClr>
+          </a:lnRef>
+          <a:fillRef idx="1">
+            <a:schemeClr val="accent1"/>
+          </a:fillRef>
+          <a:effectRef idx="0">
+            <a:schemeClr val="accent1"/>
+          </a:effectRef>
+          <a:fontRef idx="minor">
+            <a:schemeClr val="lt1"/>
+          </a:fontRef>
+        </p:style>
+        <p:txBody>
+          <a:bodyPr rtlCol="0" anchor="ctr"/>
+          <a:lstStyle/>
+          <a:p>
+            <a:pPr algn="ctr"/>
+            <a:endParaRPr lang="en-US"/>
+          </a:p>
+        </p:txBody>
+      </p:sp>
+      <p:sp>
+        <p:nvSpPr>
+          <p:cNvPr id="6" name="Rounded Rectangle 5"/>
+          <p:cNvSpPr/>
+          <p:nvPr/>
+        </p:nvSpPr>
+        <p:spPr>
+          <a:xfrm>
+            <a:off x="3491345" y="1911928"/>
+            <a:ext cx="465513" cy="2651760"/>
+          </a:xfrm>
+          <a:prstGeom prst="roundRect">
+            <a:avLst/>
+          </a:prstGeom>
+          <a:noFill/>
+          <a:ln w="12700">
+            <a:solidFill>
+              <a:srgbClr val="FF0000"/>
+            </a:solidFill>
+          </a:ln>
+        </p:spPr>
+        <p:style>
+          <a:lnRef idx="2">
+            <a:schemeClr val="accent1">
+              <a:shade val="50000"/>
+            </a:schemeClr>
+          </a:lnRef>
+          <a:fillRef idx="1">
+            <a:schemeClr val="accent1"/>
+          </a:fillRef>
+          <a:effectRef idx="0">
+            <a:schemeClr val="accent1"/>
+          </a:effectRef>
+          <a:fontRef idx="minor">
+            <a:schemeClr val="lt1"/>
+          </a:fontRef>
+        </p:style>
+        <p:txBody>
+          <a:bodyPr rtlCol="0" anchor="ctr"/>
+          <a:lstStyle/>
+          <a:p>
+            <a:pPr algn="ctr"/>
+            <a:endParaRPr lang="en-US"/>
+          </a:p>
+        </p:txBody>
+      </p:sp>
+      <p:sp>
+        <p:nvSpPr>
+          <p:cNvPr id="7" name="Rounded Rectangle 6"/>
+          <p:cNvSpPr/>
+          <p:nvPr/>
+        </p:nvSpPr>
+        <p:spPr>
+          <a:xfrm>
+            <a:off x="4323833" y="1911928"/>
+            <a:ext cx="465513" cy="2651760"/>
+          </a:xfrm>
+          <a:prstGeom prst="roundRect">
+            <a:avLst/>
+          </a:prstGeom>
+          <a:noFill/>
+          <a:ln w="12700">
+            <a:solidFill>
+              <a:srgbClr val="FF0000"/>
+            </a:solidFill>
+          </a:ln>
+        </p:spPr>
+        <p:style>
+          <a:lnRef idx="2">
+            <a:schemeClr val="accent1">
+              <a:shade val="50000"/>
+            </a:schemeClr>
+          </a:lnRef>
+          <a:fillRef idx="1">
+            <a:schemeClr val="accent1"/>
+          </a:fillRef>
+          <a:effectRef idx="0">
+            <a:schemeClr val="accent1"/>
+          </a:effectRef>
+          <a:fontRef idx="minor">
+            <a:schemeClr val="lt1"/>
+          </a:fontRef>
+        </p:style>
+        <p:txBody>
+          <a:bodyPr rtlCol="0" anchor="ctr"/>
+          <a:lstStyle/>
+          <a:p>
+            <a:pPr algn="ctr"/>
+            <a:endParaRPr lang="en-US"/>
+          </a:p>
+        </p:txBody>
+      </p:sp>
+      <p:sp>
+        <p:nvSpPr>
+          <p:cNvPr id="8" name="Rounded Rectangle 7"/>
+          <p:cNvSpPr/>
+          <p:nvPr/>
+        </p:nvSpPr>
+        <p:spPr>
+          <a:xfrm>
+            <a:off x="5189573" y="1911928"/>
+            <a:ext cx="465513" cy="2651760"/>
+          </a:xfrm>
+          <a:prstGeom prst="roundRect">
+            <a:avLst/>
+          </a:prstGeom>
+          <a:noFill/>
+          <a:ln w="12700">
+            <a:solidFill>
+              <a:srgbClr val="FF0000"/>
+            </a:solidFill>
+          </a:ln>
+        </p:spPr>
+        <p:style>
+          <a:lnRef idx="2">
+            <a:schemeClr val="accent1">
+              <a:shade val="50000"/>
+            </a:schemeClr>
+          </a:lnRef>
+          <a:fillRef idx="1">
+            <a:schemeClr val="accent1"/>
+          </a:fillRef>
+          <a:effectRef idx="0">
+            <a:schemeClr val="accent1"/>
+          </a:effectRef>
+          <a:fontRef idx="minor">
+            <a:schemeClr val="lt1"/>
+          </a:fontRef>
+        </p:style>
+        <p:txBody>
+          <a:bodyPr rtlCol="0" anchor="ctr"/>
+          <a:lstStyle/>
+          <a:p>
+            <a:pPr algn="ctr"/>
+            <a:endParaRPr lang="en-US"/>
+          </a:p>
+        </p:txBody>
+      </p:sp>
+      <p:sp>
+        <p:nvSpPr>
+          <p:cNvPr id="9" name="Rounded Rectangle 8"/>
+          <p:cNvSpPr/>
+          <p:nvPr/>
+        </p:nvSpPr>
+        <p:spPr>
+          <a:xfrm>
+            <a:off x="5977897" y="1911928"/>
+            <a:ext cx="465513" cy="2651760"/>
+          </a:xfrm>
+          <a:prstGeom prst="roundRect">
+            <a:avLst/>
+          </a:prstGeom>
+          <a:noFill/>
+          <a:ln w="12700">
+            <a:solidFill>
+              <a:srgbClr val="FF0000"/>
+            </a:solidFill>
+          </a:ln>
+        </p:spPr>
+        <p:style>
+          <a:lnRef idx="2">
+            <a:schemeClr val="accent1">
+              <a:shade val="50000"/>
+            </a:schemeClr>
+          </a:lnRef>
+          <a:fillRef idx="1">
+            <a:schemeClr val="accent1"/>
+          </a:fillRef>
+          <a:effectRef idx="0">
+            <a:schemeClr val="accent1"/>
+          </a:effectRef>
+          <a:fontRef idx="minor">
+            <a:schemeClr val="lt1"/>
+          </a:fontRef>
+        </p:style>
+        <p:txBody>
+          <a:bodyPr rtlCol="0" anchor="ctr"/>
+          <a:lstStyle/>
+          <a:p>
+            <a:pPr algn="ctr"/>
+            <a:endParaRPr lang="en-US"/>
+          </a:p>
+        </p:txBody>
+      </p:sp>
+      <p:sp>
+        <p:nvSpPr>
+          <p:cNvPr id="10" name="Rounded Rectangle 9"/>
+          <p:cNvSpPr/>
+          <p:nvPr/>
+        </p:nvSpPr>
+        <p:spPr>
+          <a:xfrm>
+            <a:off x="6768820" y="1911928"/>
+            <a:ext cx="465513" cy="2651760"/>
+          </a:xfrm>
+          <a:prstGeom prst="roundRect">
+            <a:avLst/>
+          </a:prstGeom>
+          <a:noFill/>
+          <a:ln w="12700">
+            <a:solidFill>
+              <a:srgbClr val="FF0000"/>
+            </a:solidFill>
+          </a:ln>
+        </p:spPr>
+        <p:style>
+          <a:lnRef idx="2">
+            <a:schemeClr val="accent1">
+              <a:shade val="50000"/>
+            </a:schemeClr>
+          </a:lnRef>
+          <a:fillRef idx="1">
+            <a:schemeClr val="accent1"/>
+          </a:fillRef>
+          <a:effectRef idx="0">
+            <a:schemeClr val="accent1"/>
+          </a:effectRef>
+          <a:fontRef idx="minor">
+            <a:schemeClr val="lt1"/>
+          </a:fontRef>
+        </p:style>
+        <p:txBody>
+          <a:bodyPr rtlCol="0" anchor="ctr"/>
+          <a:lstStyle/>
+          <a:p>
+            <a:pPr algn="ctr"/>
+            <a:endParaRPr lang="en-US"/>
+          </a:p>
+        </p:txBody>
+      </p:sp>
+      <p:sp>
+        <p:nvSpPr>
+          <p:cNvPr id="11" name="Rounded Rectangle 10"/>
+          <p:cNvSpPr/>
+          <p:nvPr/>
+        </p:nvSpPr>
+        <p:spPr>
+          <a:xfrm>
+            <a:off x="7568056" y="1911928"/>
+            <a:ext cx="465513" cy="2651760"/>
+          </a:xfrm>
+          <a:prstGeom prst="roundRect">
+            <a:avLst/>
+          </a:prstGeom>
+          <a:noFill/>
+          <a:ln w="12700">
+            <a:solidFill>
+              <a:srgbClr val="FF0000"/>
+            </a:solidFill>
+          </a:ln>
+        </p:spPr>
+        <p:style>
+          <a:lnRef idx="2">
+            <a:schemeClr val="accent1">
+              <a:shade val="50000"/>
+            </a:schemeClr>
+          </a:lnRef>
+          <a:fillRef idx="1">
+            <a:schemeClr val="accent1"/>
+          </a:fillRef>
+          <a:effectRef idx="0">
+            <a:schemeClr val="accent1"/>
+          </a:effectRef>
+          <a:fontRef idx="minor">
+            <a:schemeClr val="lt1"/>
+          </a:fontRef>
+        </p:style>
+        <p:txBody>
+          <a:bodyPr rtlCol="0" anchor="ctr"/>
+          <a:lstStyle/>
+          <a:p>
+            <a:pPr algn="ctr"/>
+            <a:endParaRPr lang="en-US"/>
+          </a:p>
+        </p:txBody>
+      </p:sp>
+      <p:grpSp>
+        <p:nvGrpSpPr>
+          <p:cNvPr id="18" name="Group 17"/>
+          <p:cNvGrpSpPr/>
+          <p:nvPr/>
+        </p:nvGrpSpPr>
+        <p:grpSpPr>
+          <a:xfrm>
+            <a:off x="3491345" y="1986245"/>
+            <a:ext cx="4542224" cy="2595649"/>
+            <a:chOff x="4056605" y="1645918"/>
+            <a:chExt cx="4319857" cy="2371124"/>
+          </a:xfrm>
+        </p:grpSpPr>
+        <p:sp>
+          <p:nvSpPr>
+            <p:cNvPr id="12" name="TextBox 11"/>
+            <p:cNvSpPr txBox="1"/>
+            <p:nvPr/>
+          </p:nvSpPr>
+          <p:spPr>
+            <a:xfrm>
+              <a:off x="4056605" y="1645920"/>
+              <a:ext cx="465513" cy="2354491"/>
+            </a:xfrm>
+            <a:prstGeom prst="rect">
+              <a:avLst/>
+            </a:prstGeom>
+            <a:noFill/>
+          </p:spPr>
+          <p:txBody>
+            <a:bodyPr wrap="square" rtlCol="0">
+              <a:spAutoFit/>
+            </a:bodyPr>
+            <a:lstStyle/>
+            <a:p>
+              <a:r>
+                <a:rPr lang="en-US" sz="1050" b="1" dirty="0" smtClean="0"/>
+                <a:t>1    2</a:t>
+              </a:r>
+            </a:p>
+            <a:p>
+              <a:endParaRPr lang="en-US" sz="1050" b="1" dirty="0" smtClean="0"/>
+            </a:p>
+            <a:p>
+              <a:endParaRPr lang="en-US" sz="1050" b="1" dirty="0"/>
+            </a:p>
+            <a:p>
+              <a:endParaRPr lang="en-US" sz="1050" b="1" dirty="0" smtClean="0"/>
+            </a:p>
+            <a:p>
+              <a:endParaRPr lang="en-US" sz="1050" b="1" dirty="0"/>
+            </a:p>
+            <a:p>
+              <a:endParaRPr lang="en-US" sz="1050" b="1" dirty="0" smtClean="0"/>
+            </a:p>
+            <a:p>
+              <a:endParaRPr lang="en-US" sz="1050" b="1" dirty="0"/>
+            </a:p>
+            <a:p>
+              <a:r>
+                <a:rPr lang="en-US" sz="1050" b="1" dirty="0" smtClean="0"/>
+                <a:t>3    4</a:t>
+              </a:r>
+            </a:p>
+            <a:p>
+              <a:endParaRPr lang="en-US" sz="1050" b="1" dirty="0"/>
+            </a:p>
+            <a:p>
+              <a:endParaRPr lang="en-US" sz="1050" b="1" dirty="0" smtClean="0"/>
+            </a:p>
+            <a:p>
+              <a:endParaRPr lang="en-US" sz="1050" b="1" dirty="0"/>
+            </a:p>
+            <a:p>
+              <a:endParaRPr lang="en-US" sz="1050" b="1" dirty="0" smtClean="0"/>
+            </a:p>
+            <a:p>
+              <a:endParaRPr lang="en-US" sz="1050" b="1" dirty="0" smtClean="0"/>
+            </a:p>
+            <a:p>
+              <a:r>
+                <a:rPr lang="en-US" sz="1050" b="1" dirty="0" smtClean="0"/>
+                <a:t>5    6</a:t>
+              </a:r>
+              <a:endParaRPr lang="en-US" sz="1050" b="1" dirty="0"/>
+            </a:p>
+          </p:txBody>
+        </p:sp>
+        <p:sp>
+          <p:nvSpPr>
+            <p:cNvPr id="13" name="TextBox 12"/>
+            <p:cNvSpPr txBox="1"/>
+            <p:nvPr/>
+          </p:nvSpPr>
+          <p:spPr>
+            <a:xfrm>
+              <a:off x="4829126" y="1662551"/>
+              <a:ext cx="465513" cy="2354491"/>
+            </a:xfrm>
+            <a:prstGeom prst="rect">
+              <a:avLst/>
+            </a:prstGeom>
+            <a:noFill/>
+          </p:spPr>
+          <p:txBody>
+            <a:bodyPr wrap="square" rtlCol="0">
+              <a:spAutoFit/>
+            </a:bodyPr>
+            <a:lstStyle/>
+            <a:p>
+              <a:r>
+                <a:rPr lang="en-US" sz="1050" b="1" dirty="0" smtClean="0"/>
+                <a:t>1    2</a:t>
+              </a:r>
+            </a:p>
+            <a:p>
+              <a:endParaRPr lang="en-US" sz="1050" b="1" dirty="0" smtClean="0"/>
+            </a:p>
+            <a:p>
+              <a:endParaRPr lang="en-US" sz="1050" b="1" dirty="0"/>
+            </a:p>
+            <a:p>
+              <a:endParaRPr lang="en-US" sz="1050" b="1" dirty="0" smtClean="0"/>
+            </a:p>
+            <a:p>
+              <a:endParaRPr lang="en-US" sz="1050" b="1" dirty="0"/>
+            </a:p>
+            <a:p>
+              <a:endParaRPr lang="en-US" sz="1050" b="1" dirty="0" smtClean="0"/>
+            </a:p>
+            <a:p>
+              <a:endParaRPr lang="en-US" sz="1050" b="1" dirty="0"/>
+            </a:p>
+            <a:p>
+              <a:r>
+                <a:rPr lang="en-US" sz="1050" b="1" dirty="0" smtClean="0"/>
+                <a:t>3    4</a:t>
+              </a:r>
+            </a:p>
+            <a:p>
+              <a:endParaRPr lang="en-US" sz="1050" b="1" dirty="0"/>
+            </a:p>
+            <a:p>
+              <a:endParaRPr lang="en-US" sz="1050" b="1" dirty="0" smtClean="0"/>
+            </a:p>
+            <a:p>
+              <a:endParaRPr lang="en-US" sz="1050" b="1" dirty="0"/>
+            </a:p>
+            <a:p>
+              <a:endParaRPr lang="en-US" sz="1050" b="1" dirty="0" smtClean="0"/>
+            </a:p>
+            <a:p>
+              <a:endParaRPr lang="en-US" sz="1050" b="1" dirty="0" smtClean="0"/>
+            </a:p>
+            <a:p>
+              <a:r>
+                <a:rPr lang="en-US" sz="1050" b="1" dirty="0" smtClean="0"/>
+                <a:t>5    6</a:t>
+              </a:r>
+              <a:endParaRPr lang="en-US" sz="1050" b="1" dirty="0"/>
+            </a:p>
+          </p:txBody>
+        </p:sp>
+        <p:sp>
+          <p:nvSpPr>
+            <p:cNvPr id="14" name="TextBox 13"/>
+            <p:cNvSpPr txBox="1"/>
+            <p:nvPr/>
+          </p:nvSpPr>
+          <p:spPr>
+            <a:xfrm>
+              <a:off x="5605550" y="1645918"/>
+              <a:ext cx="465513" cy="2354491"/>
+            </a:xfrm>
+            <a:prstGeom prst="rect">
+              <a:avLst/>
+            </a:prstGeom>
+            <a:noFill/>
+          </p:spPr>
+          <p:txBody>
+            <a:bodyPr wrap="square" rtlCol="0">
+              <a:spAutoFit/>
+            </a:bodyPr>
+            <a:lstStyle/>
+            <a:p>
+              <a:r>
+                <a:rPr lang="en-US" sz="1050" b="1" dirty="0" smtClean="0"/>
+                <a:t>1    2</a:t>
+              </a:r>
+            </a:p>
+            <a:p>
+              <a:endParaRPr lang="en-US" sz="1050" b="1" dirty="0" smtClean="0"/>
+            </a:p>
+            <a:p>
+              <a:endParaRPr lang="en-US" sz="1050" b="1" dirty="0"/>
+            </a:p>
+            <a:p>
+              <a:endParaRPr lang="en-US" sz="1050" b="1" dirty="0" smtClean="0"/>
+            </a:p>
+            <a:p>
+              <a:endParaRPr lang="en-US" sz="1050" b="1" dirty="0"/>
+            </a:p>
+            <a:p>
+              <a:endParaRPr lang="en-US" sz="1050" b="1" dirty="0" smtClean="0"/>
+            </a:p>
+            <a:p>
+              <a:endParaRPr lang="en-US" sz="1050" b="1" dirty="0"/>
+            </a:p>
+            <a:p>
+              <a:r>
+                <a:rPr lang="en-US" sz="1050" b="1" dirty="0" smtClean="0"/>
+                <a:t>3    4</a:t>
+              </a:r>
+            </a:p>
+            <a:p>
+              <a:endParaRPr lang="en-US" sz="1050" b="1" dirty="0"/>
+            </a:p>
+            <a:p>
+              <a:endParaRPr lang="en-US" sz="1050" b="1" dirty="0" smtClean="0"/>
+            </a:p>
+            <a:p>
+              <a:endParaRPr lang="en-US" sz="1050" b="1" dirty="0"/>
+            </a:p>
+            <a:p>
+              <a:endParaRPr lang="en-US" sz="1050" b="1" dirty="0" smtClean="0"/>
+            </a:p>
+            <a:p>
+              <a:endParaRPr lang="en-US" sz="1050" b="1" dirty="0" smtClean="0"/>
+            </a:p>
+            <a:p>
+              <a:r>
+                <a:rPr lang="en-US" sz="1050" b="1" dirty="0" smtClean="0"/>
+                <a:t>5    6</a:t>
+              </a:r>
+              <a:endParaRPr lang="en-US" sz="1050" b="1" dirty="0"/>
+            </a:p>
+          </p:txBody>
+        </p:sp>
+        <p:sp>
+          <p:nvSpPr>
+            <p:cNvPr id="15" name="TextBox 14"/>
+            <p:cNvSpPr txBox="1"/>
+            <p:nvPr/>
+          </p:nvSpPr>
+          <p:spPr>
+            <a:xfrm>
+              <a:off x="6362004" y="1645920"/>
+              <a:ext cx="465513" cy="2354491"/>
+            </a:xfrm>
+            <a:prstGeom prst="rect">
+              <a:avLst/>
+            </a:prstGeom>
+            <a:noFill/>
+          </p:spPr>
+          <p:txBody>
+            <a:bodyPr wrap="square" rtlCol="0">
+              <a:spAutoFit/>
+            </a:bodyPr>
+            <a:lstStyle/>
+            <a:p>
+              <a:r>
+                <a:rPr lang="en-US" sz="1050" b="1" dirty="0" smtClean="0"/>
+                <a:t>1    2</a:t>
+              </a:r>
+            </a:p>
+            <a:p>
+              <a:endParaRPr lang="en-US" sz="1050" b="1" dirty="0" smtClean="0"/>
+            </a:p>
+            <a:p>
+              <a:endParaRPr lang="en-US" sz="1050" b="1" dirty="0"/>
+            </a:p>
+            <a:p>
+              <a:endParaRPr lang="en-US" sz="1050" b="1" dirty="0" smtClean="0"/>
+            </a:p>
+            <a:p>
+              <a:endParaRPr lang="en-US" sz="1050" b="1" dirty="0"/>
+            </a:p>
+            <a:p>
+              <a:endParaRPr lang="en-US" sz="1050" b="1" dirty="0" smtClean="0"/>
+            </a:p>
+            <a:p>
+              <a:endParaRPr lang="en-US" sz="1050" b="1" dirty="0"/>
+            </a:p>
+            <a:p>
+              <a:r>
+                <a:rPr lang="en-US" sz="1050" b="1" dirty="0" smtClean="0"/>
+                <a:t>3    4</a:t>
+              </a:r>
+            </a:p>
+            <a:p>
+              <a:endParaRPr lang="en-US" sz="1050" b="1" dirty="0"/>
+            </a:p>
+            <a:p>
+              <a:endParaRPr lang="en-US" sz="1050" b="1" dirty="0" smtClean="0"/>
+            </a:p>
+            <a:p>
+              <a:endParaRPr lang="en-US" sz="1050" b="1" dirty="0"/>
+            </a:p>
+            <a:p>
+              <a:endParaRPr lang="en-US" sz="1050" b="1" dirty="0" smtClean="0"/>
+            </a:p>
+            <a:p>
+              <a:endParaRPr lang="en-US" sz="1050" b="1" dirty="0" smtClean="0"/>
+            </a:p>
+            <a:p>
+              <a:r>
+                <a:rPr lang="en-US" sz="1050" b="1" dirty="0" smtClean="0"/>
+                <a:t>5    6</a:t>
+              </a:r>
+              <a:endParaRPr lang="en-US" sz="1050" b="1" dirty="0"/>
+            </a:p>
+          </p:txBody>
+        </p:sp>
+        <p:sp>
+          <p:nvSpPr>
+            <p:cNvPr id="16" name="TextBox 15"/>
+            <p:cNvSpPr txBox="1"/>
+            <p:nvPr/>
+          </p:nvSpPr>
+          <p:spPr>
+            <a:xfrm>
+              <a:off x="7126781" y="1645919"/>
+              <a:ext cx="465513" cy="2354491"/>
+            </a:xfrm>
+            <a:prstGeom prst="rect">
+              <a:avLst/>
+            </a:prstGeom>
+            <a:noFill/>
+          </p:spPr>
+          <p:txBody>
+            <a:bodyPr wrap="square" rtlCol="0">
+              <a:spAutoFit/>
+            </a:bodyPr>
+            <a:lstStyle/>
+            <a:p>
+              <a:r>
+                <a:rPr lang="en-US" sz="1050" b="1" dirty="0" smtClean="0"/>
+                <a:t>1    2</a:t>
+              </a:r>
+            </a:p>
+            <a:p>
+              <a:endParaRPr lang="en-US" sz="1050" b="1" dirty="0" smtClean="0"/>
+            </a:p>
+            <a:p>
+              <a:endParaRPr lang="en-US" sz="1050" b="1" dirty="0"/>
+            </a:p>
+            <a:p>
+              <a:endParaRPr lang="en-US" sz="1050" b="1" dirty="0" smtClean="0"/>
+            </a:p>
+            <a:p>
+              <a:endParaRPr lang="en-US" sz="1050" b="1" dirty="0"/>
+            </a:p>
+            <a:p>
+              <a:endParaRPr lang="en-US" sz="1050" b="1" dirty="0" smtClean="0"/>
+            </a:p>
+            <a:p>
+              <a:endParaRPr lang="en-US" sz="1050" b="1" dirty="0"/>
+            </a:p>
+            <a:p>
+              <a:r>
+                <a:rPr lang="en-US" sz="1050" b="1" dirty="0" smtClean="0"/>
+                <a:t>3    4</a:t>
+              </a:r>
+            </a:p>
+            <a:p>
+              <a:endParaRPr lang="en-US" sz="1050" b="1" dirty="0"/>
+            </a:p>
+            <a:p>
+              <a:endParaRPr lang="en-US" sz="1050" b="1" dirty="0" smtClean="0"/>
+            </a:p>
+            <a:p>
+              <a:endParaRPr lang="en-US" sz="1050" b="1" dirty="0"/>
+            </a:p>
+            <a:p>
+              <a:endParaRPr lang="en-US" sz="1050" b="1" dirty="0" smtClean="0"/>
+            </a:p>
+            <a:p>
+              <a:endParaRPr lang="en-US" sz="1050" b="1" dirty="0" smtClean="0"/>
+            </a:p>
+            <a:p>
+              <a:r>
+                <a:rPr lang="en-US" sz="1050" b="1" dirty="0" smtClean="0"/>
+                <a:t>5    6</a:t>
+              </a:r>
+              <a:endParaRPr lang="en-US" sz="1050" b="1" dirty="0"/>
+            </a:p>
+          </p:txBody>
+        </p:sp>
+        <p:sp>
+          <p:nvSpPr>
+            <p:cNvPr id="17" name="TextBox 16"/>
+            <p:cNvSpPr txBox="1"/>
+            <p:nvPr/>
+          </p:nvSpPr>
+          <p:spPr>
+            <a:xfrm>
+              <a:off x="7910949" y="1645918"/>
+              <a:ext cx="465513" cy="2354491"/>
+            </a:xfrm>
+            <a:prstGeom prst="rect">
+              <a:avLst/>
+            </a:prstGeom>
+            <a:noFill/>
+          </p:spPr>
+          <p:txBody>
+            <a:bodyPr wrap="square" rtlCol="0">
+              <a:spAutoFit/>
+            </a:bodyPr>
+            <a:lstStyle/>
+            <a:p>
+              <a:r>
+                <a:rPr lang="en-US" sz="1050" b="1" dirty="0" smtClean="0"/>
+                <a:t>1    2</a:t>
+              </a:r>
+            </a:p>
+            <a:p>
+              <a:endParaRPr lang="en-US" sz="1050" b="1" dirty="0" smtClean="0"/>
+            </a:p>
+            <a:p>
+              <a:endParaRPr lang="en-US" sz="1050" b="1" dirty="0"/>
+            </a:p>
+            <a:p>
+              <a:endParaRPr lang="en-US" sz="1050" b="1" dirty="0" smtClean="0"/>
+            </a:p>
+            <a:p>
+              <a:endParaRPr lang="en-US" sz="1050" b="1" dirty="0"/>
+            </a:p>
+            <a:p>
+              <a:endParaRPr lang="en-US" sz="1050" b="1" dirty="0" smtClean="0"/>
+            </a:p>
+            <a:p>
+              <a:endParaRPr lang="en-US" sz="1050" b="1" dirty="0"/>
+            </a:p>
+            <a:p>
+              <a:r>
+                <a:rPr lang="en-US" sz="1050" b="1" dirty="0" smtClean="0"/>
+                <a:t>3    4</a:t>
+              </a:r>
+            </a:p>
+            <a:p>
+              <a:endParaRPr lang="en-US" sz="1050" b="1" dirty="0"/>
+            </a:p>
+            <a:p>
+              <a:endParaRPr lang="en-US" sz="1050" b="1" dirty="0" smtClean="0"/>
+            </a:p>
+            <a:p>
+              <a:endParaRPr lang="en-US" sz="1050" b="1" dirty="0"/>
+            </a:p>
+            <a:p>
+              <a:endParaRPr lang="en-US" sz="1050" b="1" dirty="0" smtClean="0"/>
+            </a:p>
+            <a:p>
+              <a:endParaRPr lang="en-US" sz="1050" b="1" dirty="0" smtClean="0"/>
+            </a:p>
+            <a:p>
+              <a:r>
+                <a:rPr lang="en-US" sz="1050" b="1" dirty="0" smtClean="0"/>
+                <a:t>5    6</a:t>
+              </a:r>
+              <a:endParaRPr lang="en-US" sz="1050" b="1" dirty="0"/>
+            </a:p>
+          </p:txBody>
+        </p:sp>
+      </p:grpSp>
+      <p:sp>
+        <p:nvSpPr>
+          <p:cNvPr id="19" name="TextBox 18"/>
+          <p:cNvSpPr txBox="1"/>
+          <p:nvPr/>
+        </p:nvSpPr>
+        <p:spPr>
+          <a:xfrm>
+            <a:off x="3647216" y="4563686"/>
+            <a:ext cx="4386353" cy="246221"/>
+          </a:xfrm>
+          <a:prstGeom prst="rect">
+            <a:avLst/>
+          </a:prstGeom>
+          <a:noFill/>
+        </p:spPr>
+        <p:txBody>
+          <a:bodyPr wrap="square" rtlCol="0">
+            <a:spAutoFit/>
+          </a:bodyPr>
+          <a:lstStyle/>
+          <a:p>
+            <a:r>
+              <a:rPr lang="en-US" sz="1000" b="1" dirty="0" smtClean="0">
+                <a:solidFill>
+                  <a:srgbClr val="FF0000"/>
+                </a:solidFill>
+              </a:rPr>
+              <a:t>R1                         R2                        R3</a:t>
+            </a:r>
+            <a:r>
+              <a:rPr lang="en-US" sz="1000" b="1" dirty="0" smtClean="0">
+                <a:solidFill>
+                  <a:srgbClr val="FF0000"/>
+                </a:solidFill>
+              </a:rPr>
+              <a:t>	                   </a:t>
+            </a:r>
+            <a:r>
+              <a:rPr lang="en-US" sz="1000" b="1" dirty="0" smtClean="0">
+                <a:solidFill>
+                  <a:srgbClr val="FF0000"/>
+                </a:solidFill>
+              </a:rPr>
+              <a:t>R4</a:t>
+            </a:r>
+            <a:r>
+              <a:rPr lang="en-US" sz="1000" b="1" dirty="0" smtClean="0">
+                <a:solidFill>
+                  <a:srgbClr val="FF0000"/>
+                </a:solidFill>
+              </a:rPr>
+              <a:t>	                 </a:t>
+            </a:r>
+            <a:r>
+              <a:rPr lang="en-US" sz="1000" b="1" dirty="0" smtClean="0">
+                <a:solidFill>
+                  <a:srgbClr val="FF0000"/>
+                </a:solidFill>
+              </a:rPr>
+              <a:t>R5</a:t>
+            </a:r>
+            <a:r>
+              <a:rPr lang="en-US" sz="1000" b="1" dirty="0" smtClean="0">
+                <a:solidFill>
+                  <a:srgbClr val="FF0000"/>
+                </a:solidFill>
+              </a:rPr>
+              <a:t>	            </a:t>
+            </a:r>
+            <a:r>
+              <a:rPr lang="en-US" sz="1000" b="1" dirty="0" smtClean="0">
+                <a:solidFill>
+                  <a:srgbClr val="FF0000"/>
+                </a:solidFill>
+              </a:rPr>
+              <a:t>R6</a:t>
+            </a:r>
+            <a:endParaRPr lang="en-US" sz="1000" b="1" dirty="0">
+              <a:solidFill>
+                <a:srgbClr val="FF0000"/>
+              </a:solidFill>
+            </a:endParaRPr>
+          </a:p>
+        </p:txBody>
+      </p:sp>
+      <p:grpSp>
+        <p:nvGrpSpPr>
+          <p:cNvPr id="26" name="Group 25"/>
+          <p:cNvGrpSpPr/>
+          <p:nvPr/>
+        </p:nvGrpSpPr>
+        <p:grpSpPr>
+          <a:xfrm>
+            <a:off x="3492903" y="1962511"/>
+            <a:ext cx="463955" cy="2484798"/>
+            <a:chOff x="3492903" y="1962511"/>
+            <a:chExt cx="463955" cy="2484798"/>
+          </a:xfrm>
+        </p:grpSpPr>
+        <p:sp>
+          <p:nvSpPr>
+            <p:cNvPr id="22" name="Rectangle 21"/>
+            <p:cNvSpPr/>
+            <p:nvPr/>
+          </p:nvSpPr>
+          <p:spPr>
+            <a:xfrm>
+              <a:off x="3507634" y="4095601"/>
+              <a:ext cx="449224" cy="351708"/>
+            </a:xfrm>
+            <a:prstGeom prst="rect">
+              <a:avLst/>
+            </a:prstGeom>
+            <a:noFill/>
+            <a:ln>
+              <a:solidFill>
+                <a:schemeClr val="tx1"/>
+              </a:solidFill>
+            </a:ln>
+          </p:spPr>
+          <p:style>
+            <a:lnRef idx="2">
+              <a:schemeClr val="accent1">
+                <a:shade val="50000"/>
+              </a:schemeClr>
+            </a:lnRef>
+            <a:fillRef idx="1">
+              <a:schemeClr val="accent1"/>
+            </a:fillRef>
+            <a:effectRef idx="0">
+              <a:schemeClr val="accent1"/>
+            </a:effectRef>
+            <a:fontRef idx="minor">
+              <a:schemeClr val="lt1"/>
+            </a:fontRef>
+          </p:style>
+          <p:txBody>
+            <a:bodyPr rtlCol="0" anchor="ctr"/>
+            <a:lstStyle/>
+            <a:p>
+              <a:pPr algn="ctr"/>
+              <a:endParaRPr lang="en-US"/>
+            </a:p>
+          </p:txBody>
+        </p:sp>
+        <p:sp>
+          <p:nvSpPr>
+            <p:cNvPr id="24" name="Rectangle 23"/>
+            <p:cNvSpPr/>
+            <p:nvPr/>
+          </p:nvSpPr>
+          <p:spPr>
+            <a:xfrm>
+              <a:off x="3501572" y="3099112"/>
+              <a:ext cx="449224" cy="351708"/>
+            </a:xfrm>
+            <a:prstGeom prst="rect">
+              <a:avLst/>
+            </a:prstGeom>
+            <a:noFill/>
+            <a:ln>
+              <a:solidFill>
+                <a:schemeClr val="tx1"/>
+              </a:solidFill>
+            </a:ln>
+          </p:spPr>
+          <p:style>
+            <a:lnRef idx="2">
+              <a:schemeClr val="accent1">
+                <a:shade val="50000"/>
+              </a:schemeClr>
+            </a:lnRef>
+            <a:fillRef idx="1">
+              <a:schemeClr val="accent1"/>
+            </a:fillRef>
+            <a:effectRef idx="0">
+              <a:schemeClr val="accent1"/>
+            </a:effectRef>
+            <a:fontRef idx="minor">
+              <a:schemeClr val="lt1"/>
+            </a:fontRef>
+          </p:style>
+          <p:txBody>
+            <a:bodyPr rtlCol="0" anchor="ctr"/>
+            <a:lstStyle/>
+            <a:p>
+              <a:pPr algn="ctr"/>
+              <a:endParaRPr lang="en-US"/>
+            </a:p>
+          </p:txBody>
+        </p:sp>
+        <p:sp>
+          <p:nvSpPr>
+            <p:cNvPr id="25" name="Rectangle 24"/>
+            <p:cNvSpPr/>
+            <p:nvPr/>
+          </p:nvSpPr>
+          <p:spPr>
+            <a:xfrm>
+              <a:off x="3492903" y="1962511"/>
+              <a:ext cx="449224" cy="351708"/>
+            </a:xfrm>
+            <a:prstGeom prst="rect">
+              <a:avLst/>
+            </a:prstGeom>
+            <a:noFill/>
+            <a:ln>
+              <a:solidFill>
+                <a:schemeClr val="tx1"/>
+              </a:solidFill>
+            </a:ln>
+          </p:spPr>
+          <p:style>
+            <a:lnRef idx="2">
+              <a:schemeClr val="accent1">
+                <a:shade val="50000"/>
+              </a:schemeClr>
+            </a:lnRef>
+            <a:fillRef idx="1">
+              <a:schemeClr val="accent1"/>
+            </a:fillRef>
+            <a:effectRef idx="0">
+              <a:schemeClr val="accent1"/>
+            </a:effectRef>
+            <a:fontRef idx="minor">
+              <a:schemeClr val="lt1"/>
+            </a:fontRef>
+          </p:style>
+          <p:txBody>
+            <a:bodyPr rtlCol="0" anchor="ctr"/>
+            <a:lstStyle/>
+            <a:p>
+              <a:pPr algn="ctr"/>
+              <a:endParaRPr lang="en-US"/>
+            </a:p>
+          </p:txBody>
+        </p:sp>
+      </p:grpSp>
+      <p:grpSp>
+        <p:nvGrpSpPr>
+          <p:cNvPr id="27" name="Group 26"/>
+          <p:cNvGrpSpPr/>
+          <p:nvPr/>
+        </p:nvGrpSpPr>
+        <p:grpSpPr>
+          <a:xfrm>
+            <a:off x="4318354" y="1962511"/>
+            <a:ext cx="463955" cy="2484798"/>
+            <a:chOff x="3492903" y="1962511"/>
+            <a:chExt cx="463955" cy="2484798"/>
+          </a:xfrm>
+        </p:grpSpPr>
+        <p:sp>
+          <p:nvSpPr>
+            <p:cNvPr id="28" name="Rectangle 27"/>
+            <p:cNvSpPr/>
+            <p:nvPr/>
+          </p:nvSpPr>
+          <p:spPr>
+            <a:xfrm>
+              <a:off x="3507634" y="4095601"/>
+              <a:ext cx="449224" cy="351708"/>
+            </a:xfrm>
+            <a:prstGeom prst="rect">
+              <a:avLst/>
+            </a:prstGeom>
+            <a:noFill/>
+            <a:ln>
+              <a:solidFill>
+                <a:schemeClr val="tx1"/>
+              </a:solidFill>
+            </a:ln>
+          </p:spPr>
+          <p:style>
+            <a:lnRef idx="2">
+              <a:schemeClr val="accent1">
+                <a:shade val="50000"/>
+              </a:schemeClr>
+            </a:lnRef>
+            <a:fillRef idx="1">
+              <a:schemeClr val="accent1"/>
+            </a:fillRef>
+            <a:effectRef idx="0">
+              <a:schemeClr val="accent1"/>
+            </a:effectRef>
+            <a:fontRef idx="minor">
+              <a:schemeClr val="lt1"/>
+            </a:fontRef>
+          </p:style>
+          <p:txBody>
+            <a:bodyPr rtlCol="0" anchor="ctr"/>
+            <a:lstStyle/>
+            <a:p>
+              <a:pPr algn="ctr"/>
+              <a:endParaRPr lang="en-US"/>
+            </a:p>
+          </p:txBody>
+        </p:sp>
+        <p:sp>
+          <p:nvSpPr>
+            <p:cNvPr id="29" name="Rectangle 28"/>
+            <p:cNvSpPr/>
+            <p:nvPr/>
+          </p:nvSpPr>
+          <p:spPr>
+            <a:xfrm>
+              <a:off x="3501572" y="3099112"/>
+              <a:ext cx="449224" cy="351708"/>
+            </a:xfrm>
+            <a:prstGeom prst="rect">
+              <a:avLst/>
+            </a:prstGeom>
+            <a:noFill/>
+            <a:ln>
+              <a:solidFill>
+                <a:schemeClr val="tx1"/>
+              </a:solidFill>
+            </a:ln>
+          </p:spPr>
+          <p:style>
+            <a:lnRef idx="2">
+              <a:schemeClr val="accent1">
+                <a:shade val="50000"/>
+              </a:schemeClr>
+            </a:lnRef>
+            <a:fillRef idx="1">
+              <a:schemeClr val="accent1"/>
+            </a:fillRef>
+            <a:effectRef idx="0">
+              <a:schemeClr val="accent1"/>
+            </a:effectRef>
+            <a:fontRef idx="minor">
+              <a:schemeClr val="lt1"/>
+            </a:fontRef>
+          </p:style>
+          <p:txBody>
+            <a:bodyPr rtlCol="0" anchor="ctr"/>
+            <a:lstStyle/>
+            <a:p>
+              <a:pPr algn="ctr"/>
+              <a:endParaRPr lang="en-US"/>
+            </a:p>
+          </p:txBody>
+        </p:sp>
+        <p:sp>
+          <p:nvSpPr>
+            <p:cNvPr id="30" name="Rectangle 29"/>
+            <p:cNvSpPr/>
+            <p:nvPr/>
+          </p:nvSpPr>
+          <p:spPr>
+            <a:xfrm>
+              <a:off x="3492903" y="1962511"/>
+              <a:ext cx="449224" cy="351708"/>
+            </a:xfrm>
+            <a:prstGeom prst="rect">
+              <a:avLst/>
+            </a:prstGeom>
+            <a:noFill/>
+            <a:ln>
+              <a:solidFill>
+                <a:schemeClr val="tx1"/>
+              </a:solidFill>
+            </a:ln>
+          </p:spPr>
+          <p:style>
+            <a:lnRef idx="2">
+              <a:schemeClr val="accent1">
+                <a:shade val="50000"/>
+              </a:schemeClr>
+            </a:lnRef>
+            <a:fillRef idx="1">
+              <a:schemeClr val="accent1"/>
+            </a:fillRef>
+            <a:effectRef idx="0">
+              <a:schemeClr val="accent1"/>
+            </a:effectRef>
+            <a:fontRef idx="minor">
+              <a:schemeClr val="lt1"/>
+            </a:fontRef>
+          </p:style>
+          <p:txBody>
+            <a:bodyPr rtlCol="0" anchor="ctr"/>
+            <a:lstStyle/>
+            <a:p>
+              <a:pPr algn="ctr"/>
+              <a:endParaRPr lang="en-US"/>
+            </a:p>
+          </p:txBody>
+        </p:sp>
+      </p:grpSp>
+      <p:grpSp>
+        <p:nvGrpSpPr>
+          <p:cNvPr id="31" name="Group 30"/>
+          <p:cNvGrpSpPr/>
+          <p:nvPr/>
+        </p:nvGrpSpPr>
+        <p:grpSpPr>
+          <a:xfrm>
+            <a:off x="5182536" y="1959251"/>
+            <a:ext cx="463955" cy="2484798"/>
+            <a:chOff x="3492903" y="1962511"/>
+            <a:chExt cx="463955" cy="2484798"/>
+          </a:xfrm>
+        </p:grpSpPr>
+        <p:sp>
+          <p:nvSpPr>
+            <p:cNvPr id="32" name="Rectangle 31"/>
+            <p:cNvSpPr/>
+            <p:nvPr/>
+          </p:nvSpPr>
+          <p:spPr>
+            <a:xfrm>
+              <a:off x="3507634" y="4095601"/>
+              <a:ext cx="449224" cy="351708"/>
+            </a:xfrm>
+            <a:prstGeom prst="rect">
+              <a:avLst/>
+            </a:prstGeom>
+            <a:noFill/>
+            <a:ln>
+              <a:solidFill>
+                <a:schemeClr val="tx1"/>
+              </a:solidFill>
+            </a:ln>
+          </p:spPr>
+          <p:style>
+            <a:lnRef idx="2">
+              <a:schemeClr val="accent1">
+                <a:shade val="50000"/>
+              </a:schemeClr>
+            </a:lnRef>
+            <a:fillRef idx="1">
+              <a:schemeClr val="accent1"/>
+            </a:fillRef>
+            <a:effectRef idx="0">
+              <a:schemeClr val="accent1"/>
+            </a:effectRef>
+            <a:fontRef idx="minor">
+              <a:schemeClr val="lt1"/>
+            </a:fontRef>
+          </p:style>
+          <p:txBody>
+            <a:bodyPr rtlCol="0" anchor="ctr"/>
+            <a:lstStyle/>
+            <a:p>
+              <a:pPr algn="ctr"/>
+              <a:endParaRPr lang="en-US"/>
+            </a:p>
+          </p:txBody>
+        </p:sp>
+        <p:sp>
+          <p:nvSpPr>
+            <p:cNvPr id="33" name="Rectangle 32"/>
+            <p:cNvSpPr/>
+            <p:nvPr/>
+          </p:nvSpPr>
+          <p:spPr>
+            <a:xfrm>
+              <a:off x="3501572" y="3099112"/>
+              <a:ext cx="449224" cy="351708"/>
+            </a:xfrm>
+            <a:prstGeom prst="rect">
+              <a:avLst/>
+            </a:prstGeom>
+            <a:noFill/>
+            <a:ln>
+              <a:solidFill>
+                <a:schemeClr val="tx1"/>
+              </a:solidFill>
+            </a:ln>
+          </p:spPr>
+          <p:style>
+            <a:lnRef idx="2">
+              <a:schemeClr val="accent1">
+                <a:shade val="50000"/>
+              </a:schemeClr>
+            </a:lnRef>
+            <a:fillRef idx="1">
+              <a:schemeClr val="accent1"/>
+            </a:fillRef>
+            <a:effectRef idx="0">
+              <a:schemeClr val="accent1"/>
+            </a:effectRef>
+            <a:fontRef idx="minor">
+              <a:schemeClr val="lt1"/>
+            </a:fontRef>
+          </p:style>
+          <p:txBody>
+            <a:bodyPr rtlCol="0" anchor="ctr"/>
+            <a:lstStyle/>
+            <a:p>
+              <a:pPr algn="ctr"/>
+              <a:endParaRPr lang="en-US"/>
+            </a:p>
+          </p:txBody>
+        </p:sp>
+        <p:sp>
+          <p:nvSpPr>
+            <p:cNvPr id="34" name="Rectangle 33"/>
+            <p:cNvSpPr/>
+            <p:nvPr/>
+          </p:nvSpPr>
+          <p:spPr>
+            <a:xfrm>
+              <a:off x="3492903" y="1962511"/>
+              <a:ext cx="449224" cy="351708"/>
+            </a:xfrm>
+            <a:prstGeom prst="rect">
+              <a:avLst/>
+            </a:prstGeom>
+            <a:noFill/>
+            <a:ln>
+              <a:solidFill>
+                <a:schemeClr val="tx1"/>
+              </a:solidFill>
+            </a:ln>
+          </p:spPr>
+          <p:style>
+            <a:lnRef idx="2">
+              <a:schemeClr val="accent1">
+                <a:shade val="50000"/>
+              </a:schemeClr>
+            </a:lnRef>
+            <a:fillRef idx="1">
+              <a:schemeClr val="accent1"/>
+            </a:fillRef>
+            <a:effectRef idx="0">
+              <a:schemeClr val="accent1"/>
+            </a:effectRef>
+            <a:fontRef idx="minor">
+              <a:schemeClr val="lt1"/>
+            </a:fontRef>
+          </p:style>
+          <p:txBody>
+            <a:bodyPr rtlCol="0" anchor="ctr"/>
+            <a:lstStyle/>
+            <a:p>
+              <a:pPr algn="ctr"/>
+              <a:endParaRPr lang="en-US"/>
+            </a:p>
+          </p:txBody>
+        </p:sp>
+      </p:grpSp>
+      <p:grpSp>
+        <p:nvGrpSpPr>
+          <p:cNvPr id="35" name="Group 34"/>
+          <p:cNvGrpSpPr/>
+          <p:nvPr/>
+        </p:nvGrpSpPr>
+        <p:grpSpPr>
+          <a:xfrm>
+            <a:off x="5964900" y="1955991"/>
+            <a:ext cx="463955" cy="2484798"/>
+            <a:chOff x="3492903" y="1962511"/>
+            <a:chExt cx="463955" cy="2484798"/>
+          </a:xfrm>
+        </p:grpSpPr>
+        <p:sp>
+          <p:nvSpPr>
+            <p:cNvPr id="36" name="Rectangle 35"/>
+            <p:cNvSpPr/>
+            <p:nvPr/>
+          </p:nvSpPr>
+          <p:spPr>
+            <a:xfrm>
+              <a:off x="3507634" y="4095601"/>
+              <a:ext cx="449224" cy="351708"/>
+            </a:xfrm>
+            <a:prstGeom prst="rect">
+              <a:avLst/>
+            </a:prstGeom>
+            <a:noFill/>
+            <a:ln>
+              <a:solidFill>
+                <a:schemeClr val="tx1"/>
+              </a:solidFill>
+            </a:ln>
+          </p:spPr>
+          <p:style>
+            <a:lnRef idx="2">
+              <a:schemeClr val="accent1">
+                <a:shade val="50000"/>
+              </a:schemeClr>
+            </a:lnRef>
+            <a:fillRef idx="1">
+              <a:schemeClr val="accent1"/>
+            </a:fillRef>
+            <a:effectRef idx="0">
+              <a:schemeClr val="accent1"/>
+            </a:effectRef>
+            <a:fontRef idx="minor">
+              <a:schemeClr val="lt1"/>
+            </a:fontRef>
+          </p:style>
+          <p:txBody>
+            <a:bodyPr rtlCol="0" anchor="ctr"/>
+            <a:lstStyle/>
+            <a:p>
+              <a:pPr algn="ctr"/>
+              <a:endParaRPr lang="en-US"/>
+            </a:p>
+          </p:txBody>
+        </p:sp>
+        <p:sp>
+          <p:nvSpPr>
+            <p:cNvPr id="37" name="Rectangle 36"/>
+            <p:cNvSpPr/>
+            <p:nvPr/>
+          </p:nvSpPr>
+          <p:spPr>
+            <a:xfrm>
+              <a:off x="3501572" y="3099112"/>
+              <a:ext cx="449224" cy="351708"/>
+            </a:xfrm>
+            <a:prstGeom prst="rect">
+              <a:avLst/>
+            </a:prstGeom>
+            <a:noFill/>
+            <a:ln>
+              <a:solidFill>
+                <a:schemeClr val="tx1"/>
+              </a:solidFill>
+            </a:ln>
+          </p:spPr>
+          <p:style>
+            <a:lnRef idx="2">
+              <a:schemeClr val="accent1">
+                <a:shade val="50000"/>
+              </a:schemeClr>
+            </a:lnRef>
+            <a:fillRef idx="1">
+              <a:schemeClr val="accent1"/>
+            </a:fillRef>
+            <a:effectRef idx="0">
+              <a:schemeClr val="accent1"/>
+            </a:effectRef>
+            <a:fontRef idx="minor">
+              <a:schemeClr val="lt1"/>
+            </a:fontRef>
+          </p:style>
+          <p:txBody>
+            <a:bodyPr rtlCol="0" anchor="ctr"/>
+            <a:lstStyle/>
+            <a:p>
+              <a:pPr algn="ctr"/>
+              <a:endParaRPr lang="en-US"/>
+            </a:p>
+          </p:txBody>
+        </p:sp>
+        <p:sp>
+          <p:nvSpPr>
+            <p:cNvPr id="38" name="Rectangle 37"/>
+            <p:cNvSpPr/>
+            <p:nvPr/>
+          </p:nvSpPr>
+          <p:spPr>
+            <a:xfrm>
+              <a:off x="3492903" y="1962511"/>
+              <a:ext cx="449224" cy="351708"/>
+            </a:xfrm>
+            <a:prstGeom prst="rect">
+              <a:avLst/>
+            </a:prstGeom>
+            <a:noFill/>
+            <a:ln>
+              <a:solidFill>
+                <a:schemeClr val="tx1"/>
+              </a:solidFill>
+            </a:ln>
+          </p:spPr>
+          <p:style>
+            <a:lnRef idx="2">
+              <a:schemeClr val="accent1">
+                <a:shade val="50000"/>
+              </a:schemeClr>
+            </a:lnRef>
+            <a:fillRef idx="1">
+              <a:schemeClr val="accent1"/>
+            </a:fillRef>
+            <a:effectRef idx="0">
+              <a:schemeClr val="accent1"/>
+            </a:effectRef>
+            <a:fontRef idx="minor">
+              <a:schemeClr val="lt1"/>
+            </a:fontRef>
+          </p:style>
+          <p:txBody>
+            <a:bodyPr rtlCol="0" anchor="ctr"/>
+            <a:lstStyle/>
+            <a:p>
+              <a:pPr algn="ctr"/>
+              <a:endParaRPr lang="en-US"/>
+            </a:p>
+          </p:txBody>
+        </p:sp>
+      </p:grpSp>
+      <p:grpSp>
+        <p:nvGrpSpPr>
+          <p:cNvPr id="39" name="Group 38"/>
+          <p:cNvGrpSpPr/>
+          <p:nvPr/>
+        </p:nvGrpSpPr>
+        <p:grpSpPr>
+          <a:xfrm>
+            <a:off x="7568834" y="1955991"/>
+            <a:ext cx="463955" cy="2484798"/>
+            <a:chOff x="3492903" y="1962511"/>
+            <a:chExt cx="463955" cy="2484798"/>
+          </a:xfrm>
+        </p:grpSpPr>
+        <p:sp>
+          <p:nvSpPr>
+            <p:cNvPr id="40" name="Rectangle 39"/>
+            <p:cNvSpPr/>
+            <p:nvPr/>
+          </p:nvSpPr>
+          <p:spPr>
+            <a:xfrm>
+              <a:off x="3507634" y="4095601"/>
+              <a:ext cx="449224" cy="351708"/>
+            </a:xfrm>
+            <a:prstGeom prst="rect">
+              <a:avLst/>
+            </a:prstGeom>
+            <a:noFill/>
+            <a:ln>
+              <a:solidFill>
+                <a:schemeClr val="tx1"/>
+              </a:solidFill>
+            </a:ln>
+          </p:spPr>
+          <p:style>
+            <a:lnRef idx="2">
+              <a:schemeClr val="accent1">
+                <a:shade val="50000"/>
+              </a:schemeClr>
+            </a:lnRef>
+            <a:fillRef idx="1">
+              <a:schemeClr val="accent1"/>
+            </a:fillRef>
+            <a:effectRef idx="0">
+              <a:schemeClr val="accent1"/>
+            </a:effectRef>
+            <a:fontRef idx="minor">
+              <a:schemeClr val="lt1"/>
+            </a:fontRef>
+          </p:style>
+          <p:txBody>
+            <a:bodyPr rtlCol="0" anchor="ctr"/>
+            <a:lstStyle/>
+            <a:p>
+              <a:pPr algn="ctr"/>
+              <a:endParaRPr lang="en-US"/>
+            </a:p>
+          </p:txBody>
+        </p:sp>
+        <p:sp>
+          <p:nvSpPr>
+            <p:cNvPr id="41" name="Rectangle 40"/>
+            <p:cNvSpPr/>
+            <p:nvPr/>
+          </p:nvSpPr>
+          <p:spPr>
+            <a:xfrm>
+              <a:off x="3501572" y="3099112"/>
+              <a:ext cx="449224" cy="351708"/>
+            </a:xfrm>
+            <a:prstGeom prst="rect">
+              <a:avLst/>
+            </a:prstGeom>
+            <a:noFill/>
+            <a:ln>
+              <a:solidFill>
+                <a:schemeClr val="tx1"/>
+              </a:solidFill>
+            </a:ln>
+          </p:spPr>
+          <p:style>
+            <a:lnRef idx="2">
+              <a:schemeClr val="accent1">
+                <a:shade val="50000"/>
+              </a:schemeClr>
+            </a:lnRef>
+            <a:fillRef idx="1">
+              <a:schemeClr val="accent1"/>
+            </a:fillRef>
+            <a:effectRef idx="0">
+              <a:schemeClr val="accent1"/>
+            </a:effectRef>
+            <a:fontRef idx="minor">
+              <a:schemeClr val="lt1"/>
+            </a:fontRef>
+          </p:style>
+          <p:txBody>
+            <a:bodyPr rtlCol="0" anchor="ctr"/>
+            <a:lstStyle/>
+            <a:p>
+              <a:pPr algn="ctr"/>
+              <a:endParaRPr lang="en-US"/>
+            </a:p>
+          </p:txBody>
+        </p:sp>
+        <p:sp>
+          <p:nvSpPr>
+            <p:cNvPr id="42" name="Rectangle 41"/>
+            <p:cNvSpPr/>
+            <p:nvPr/>
+          </p:nvSpPr>
+          <p:spPr>
+            <a:xfrm>
+              <a:off x="3492903" y="1962511"/>
+              <a:ext cx="449224" cy="351708"/>
+            </a:xfrm>
+            <a:prstGeom prst="rect">
+              <a:avLst/>
+            </a:prstGeom>
+            <a:noFill/>
+            <a:ln>
+              <a:solidFill>
+                <a:schemeClr val="tx1"/>
+              </a:solidFill>
+            </a:ln>
+          </p:spPr>
+          <p:style>
+            <a:lnRef idx="2">
+              <a:schemeClr val="accent1">
+                <a:shade val="50000"/>
+              </a:schemeClr>
+            </a:lnRef>
+            <a:fillRef idx="1">
+              <a:schemeClr val="accent1"/>
+            </a:fillRef>
+            <a:effectRef idx="0">
+              <a:schemeClr val="accent1"/>
+            </a:effectRef>
+            <a:fontRef idx="minor">
+              <a:schemeClr val="lt1"/>
+            </a:fontRef>
+          </p:style>
+          <p:txBody>
+            <a:bodyPr rtlCol="0" anchor="ctr"/>
+            <a:lstStyle/>
+            <a:p>
+              <a:pPr algn="ctr"/>
+              <a:endParaRPr lang="en-US"/>
+            </a:p>
+          </p:txBody>
+        </p:sp>
+      </p:grpSp>
+      <p:grpSp>
+        <p:nvGrpSpPr>
+          <p:cNvPr id="43" name="Group 42"/>
+          <p:cNvGrpSpPr/>
+          <p:nvPr/>
+        </p:nvGrpSpPr>
+        <p:grpSpPr>
+          <a:xfrm>
+            <a:off x="6756775" y="1960253"/>
+            <a:ext cx="463955" cy="2484798"/>
+            <a:chOff x="3492903" y="1962511"/>
+            <a:chExt cx="463955" cy="2484798"/>
+          </a:xfrm>
+        </p:grpSpPr>
+        <p:sp>
+          <p:nvSpPr>
+            <p:cNvPr id="44" name="Rectangle 43"/>
+            <p:cNvSpPr/>
+            <p:nvPr/>
+          </p:nvSpPr>
+          <p:spPr>
+            <a:xfrm>
+              <a:off x="3507634" y="4095601"/>
+              <a:ext cx="449224" cy="351708"/>
+            </a:xfrm>
+            <a:prstGeom prst="rect">
+              <a:avLst/>
+            </a:prstGeom>
+            <a:noFill/>
+            <a:ln>
+              <a:solidFill>
+                <a:schemeClr val="tx1"/>
+              </a:solidFill>
+            </a:ln>
+          </p:spPr>
+          <p:style>
+            <a:lnRef idx="2">
+              <a:schemeClr val="accent1">
+                <a:shade val="50000"/>
+              </a:schemeClr>
+            </a:lnRef>
+            <a:fillRef idx="1">
+              <a:schemeClr val="accent1"/>
+            </a:fillRef>
+            <a:effectRef idx="0">
+              <a:schemeClr val="accent1"/>
+            </a:effectRef>
+            <a:fontRef idx="minor">
+              <a:schemeClr val="lt1"/>
+            </a:fontRef>
+          </p:style>
+          <p:txBody>
+            <a:bodyPr rtlCol="0" anchor="ctr"/>
+            <a:lstStyle/>
+            <a:p>
+              <a:pPr algn="ctr"/>
+              <a:endParaRPr lang="en-US"/>
+            </a:p>
+          </p:txBody>
+        </p:sp>
+        <p:sp>
+          <p:nvSpPr>
+            <p:cNvPr id="45" name="Rectangle 44"/>
+            <p:cNvSpPr/>
+            <p:nvPr/>
+          </p:nvSpPr>
+          <p:spPr>
+            <a:xfrm>
+              <a:off x="3501572" y="3099112"/>
+              <a:ext cx="449224" cy="351708"/>
+            </a:xfrm>
+            <a:prstGeom prst="rect">
+              <a:avLst/>
+            </a:prstGeom>
+            <a:noFill/>
+            <a:ln>
+              <a:solidFill>
+                <a:schemeClr val="tx1"/>
+              </a:solidFill>
+            </a:ln>
+          </p:spPr>
+          <p:style>
+            <a:lnRef idx="2">
+              <a:schemeClr val="accent1">
+                <a:shade val="50000"/>
+              </a:schemeClr>
+            </a:lnRef>
+            <a:fillRef idx="1">
+              <a:schemeClr val="accent1"/>
+            </a:fillRef>
+            <a:effectRef idx="0">
+              <a:schemeClr val="accent1"/>
+            </a:effectRef>
+            <a:fontRef idx="minor">
+              <a:schemeClr val="lt1"/>
+            </a:fontRef>
+          </p:style>
+          <p:txBody>
+            <a:bodyPr rtlCol="0" anchor="ctr"/>
+            <a:lstStyle/>
+            <a:p>
+              <a:pPr algn="ctr"/>
+              <a:endParaRPr lang="en-US"/>
+            </a:p>
+          </p:txBody>
+        </p:sp>
+        <p:sp>
+          <p:nvSpPr>
+            <p:cNvPr id="46" name="Rectangle 45"/>
+            <p:cNvSpPr/>
+            <p:nvPr/>
+          </p:nvSpPr>
+          <p:spPr>
+            <a:xfrm>
+              <a:off x="3492903" y="1962511"/>
+              <a:ext cx="449224" cy="351708"/>
+            </a:xfrm>
+            <a:prstGeom prst="rect">
+              <a:avLst/>
+            </a:prstGeom>
+            <a:noFill/>
+            <a:ln>
+              <a:solidFill>
+                <a:schemeClr val="tx1"/>
+              </a:solidFill>
+            </a:ln>
+          </p:spPr>
+          <p:style>
+            <a:lnRef idx="2">
+              <a:schemeClr val="accent1">
+                <a:shade val="50000"/>
+              </a:schemeClr>
+            </a:lnRef>
+            <a:fillRef idx="1">
+              <a:schemeClr val="accent1"/>
+            </a:fillRef>
+            <a:effectRef idx="0">
+              <a:schemeClr val="accent1"/>
+            </a:effectRef>
+            <a:fontRef idx="minor">
+              <a:schemeClr val="lt1"/>
+            </a:fontRef>
+          </p:style>
+          <p:txBody>
+            <a:bodyPr rtlCol="0" anchor="ctr"/>
+            <a:lstStyle/>
+            <a:p>
+              <a:pPr algn="ctr"/>
+              <a:endParaRPr lang="en-US"/>
+            </a:p>
+          </p:txBody>
+        </p:sp>
+      </p:grpSp>
+      <p:sp>
+        <p:nvSpPr>
+          <p:cNvPr id="47" name="Rectangle 46"/>
+          <p:cNvSpPr/>
+          <p:nvPr/>
+        </p:nvSpPr>
+        <p:spPr>
+          <a:xfrm>
+            <a:off x="8470669" y="5868787"/>
+            <a:ext cx="1712422" cy="482138"/>
+          </a:xfrm>
+          <a:prstGeom prst="rect">
+            <a:avLst/>
+          </a:prstGeom>
+          <a:solidFill>
+            <a:schemeClr val="bg1"/>
+          </a:solidFill>
+          <a:ln>
+            <a:noFill/>
+          </a:ln>
+        </p:spPr>
+        <p:style>
+          <a:lnRef idx="2">
+            <a:schemeClr val="accent1">
+              <a:shade val="50000"/>
+            </a:schemeClr>
+          </a:lnRef>
+          <a:fillRef idx="1">
+            <a:schemeClr val="accent1"/>
+          </a:fillRef>
+          <a:effectRef idx="0">
+            <a:schemeClr val="accent1"/>
+          </a:effectRef>
+          <a:fontRef idx="minor">
+            <a:schemeClr val="lt1"/>
+          </a:fontRef>
+        </p:style>
+        <p:txBody>
+          <a:bodyPr rtlCol="0" anchor="ctr"/>
+          <a:lstStyle/>
+          <a:p>
+            <a:pPr algn="ctr"/>
+            <a:endParaRPr lang="en-US"/>
+          </a:p>
+        </p:txBody>
+      </p:sp>
+      <p:sp>
+        <p:nvSpPr>
+          <p:cNvPr id="48" name="Rectangle 47"/>
+          <p:cNvSpPr/>
+          <p:nvPr/>
+        </p:nvSpPr>
+        <p:spPr>
+          <a:xfrm>
+            <a:off x="8296103" y="5881999"/>
+            <a:ext cx="1704110" cy="523220"/>
+          </a:xfrm>
+          <a:prstGeom prst="rect">
+            <a:avLst/>
+          </a:prstGeom>
+        </p:spPr>
+        <p:txBody>
+          <a:bodyPr wrap="square">
+            <a:spAutoFit/>
+          </a:bodyPr>
+          <a:lstStyle/>
+          <a:p>
+            <a:r>
+              <a:rPr lang="en-US" sz="1400" b="1" dirty="0"/>
+              <a:t>Numbers (1-6) are the 1 × 1 m </a:t>
+            </a:r>
+            <a:r>
+              <a:rPr lang="en-US" sz="1400" b="1" dirty="0" smtClean="0"/>
+              <a:t>quadrats</a:t>
+            </a:r>
+            <a:endParaRPr lang="en-US" sz="1400" b="1" dirty="0"/>
+          </a:p>
+        </p:txBody>
+      </p:sp>
+    </p:spTree>
+    <p:extLst>
+      <p:ext uri="{BB962C8B-B14F-4D97-AF65-F5344CB8AC3E}">
+        <p14:creationId xmlns:p14="http://schemas.microsoft.com/office/powerpoint/2010/main" val="1483618586"/>
       </p:ext>
     </p:extLst>
   </p:cSld>
